--- a/운영체제/5w/20204101_신동욱.pptx
+++ b/운영체제/5w/20204101_신동욱.pptx
@@ -11,7 +11,10 @@
     <p:sldId id="278" r:id="rId5"/>
     <p:sldId id="274" r:id="rId6"/>
     <p:sldId id="275" r:id="rId7"/>
-    <p:sldId id="273" r:id="rId8"/>
+    <p:sldId id="279" r:id="rId8"/>
+    <p:sldId id="280" r:id="rId9"/>
+    <p:sldId id="281" r:id="rId10"/>
+    <p:sldId id="273" r:id="rId11"/>
   </p:sldIdLst>
   <p:sldSz cx="12192000" cy="6858000"/>
   <p:notesSz cx="6858000" cy="9144000"/>
@@ -265,7 +268,7 @@
           <a:p>
             <a:fld id="{985AB57D-2A49-4783-ACF5-E89BFF76D73C}" type="datetimeFigureOut">
               <a:rPr lang="ko-KR" altLang="en-US" smtClean="0"/>
-              <a:t>2024-04-04</a:t>
+              <a:t>2024-04-08</a:t>
             </a:fld>
             <a:endParaRPr lang="ko-KR" altLang="en-US"/>
           </a:p>
@@ -463,7 +466,7 @@
           <a:p>
             <a:fld id="{985AB57D-2A49-4783-ACF5-E89BFF76D73C}" type="datetimeFigureOut">
               <a:rPr lang="ko-KR" altLang="en-US" smtClean="0"/>
-              <a:t>2024-04-04</a:t>
+              <a:t>2024-04-08</a:t>
             </a:fld>
             <a:endParaRPr lang="ko-KR" altLang="en-US"/>
           </a:p>
@@ -671,7 +674,7 @@
           <a:p>
             <a:fld id="{985AB57D-2A49-4783-ACF5-E89BFF76D73C}" type="datetimeFigureOut">
               <a:rPr lang="ko-KR" altLang="en-US" smtClean="0"/>
-              <a:t>2024-04-04</a:t>
+              <a:t>2024-04-08</a:t>
             </a:fld>
             <a:endParaRPr lang="ko-KR" altLang="en-US"/>
           </a:p>
@@ -869,7 +872,7 @@
           <a:p>
             <a:fld id="{985AB57D-2A49-4783-ACF5-E89BFF76D73C}" type="datetimeFigureOut">
               <a:rPr lang="ko-KR" altLang="en-US" smtClean="0"/>
-              <a:t>2024-04-04</a:t>
+              <a:t>2024-04-08</a:t>
             </a:fld>
             <a:endParaRPr lang="ko-KR" altLang="en-US"/>
           </a:p>
@@ -1144,7 +1147,7 @@
           <a:p>
             <a:fld id="{985AB57D-2A49-4783-ACF5-E89BFF76D73C}" type="datetimeFigureOut">
               <a:rPr lang="ko-KR" altLang="en-US" smtClean="0"/>
-              <a:t>2024-04-04</a:t>
+              <a:t>2024-04-08</a:t>
             </a:fld>
             <a:endParaRPr lang="ko-KR" altLang="en-US"/>
           </a:p>
@@ -1409,7 +1412,7 @@
           <a:p>
             <a:fld id="{985AB57D-2A49-4783-ACF5-E89BFF76D73C}" type="datetimeFigureOut">
               <a:rPr lang="ko-KR" altLang="en-US" smtClean="0"/>
-              <a:t>2024-04-04</a:t>
+              <a:t>2024-04-08</a:t>
             </a:fld>
             <a:endParaRPr lang="ko-KR" altLang="en-US"/>
           </a:p>
@@ -1821,7 +1824,7 @@
           <a:p>
             <a:fld id="{985AB57D-2A49-4783-ACF5-E89BFF76D73C}" type="datetimeFigureOut">
               <a:rPr lang="ko-KR" altLang="en-US" smtClean="0"/>
-              <a:t>2024-04-04</a:t>
+              <a:t>2024-04-08</a:t>
             </a:fld>
             <a:endParaRPr lang="ko-KR" altLang="en-US"/>
           </a:p>
@@ -1962,7 +1965,7 @@
           <a:p>
             <a:fld id="{985AB57D-2A49-4783-ACF5-E89BFF76D73C}" type="datetimeFigureOut">
               <a:rPr lang="ko-KR" altLang="en-US" smtClean="0"/>
-              <a:t>2024-04-04</a:t>
+              <a:t>2024-04-08</a:t>
             </a:fld>
             <a:endParaRPr lang="ko-KR" altLang="en-US"/>
           </a:p>
@@ -2075,7 +2078,7 @@
           <a:p>
             <a:fld id="{985AB57D-2A49-4783-ACF5-E89BFF76D73C}" type="datetimeFigureOut">
               <a:rPr lang="ko-KR" altLang="en-US" smtClean="0"/>
-              <a:t>2024-04-04</a:t>
+              <a:t>2024-04-08</a:t>
             </a:fld>
             <a:endParaRPr lang="ko-KR" altLang="en-US"/>
           </a:p>
@@ -2386,7 +2389,7 @@
           <a:p>
             <a:fld id="{985AB57D-2A49-4783-ACF5-E89BFF76D73C}" type="datetimeFigureOut">
               <a:rPr lang="ko-KR" altLang="en-US" smtClean="0"/>
-              <a:t>2024-04-04</a:t>
+              <a:t>2024-04-08</a:t>
             </a:fld>
             <a:endParaRPr lang="ko-KR" altLang="en-US"/>
           </a:p>
@@ -2674,7 +2677,7 @@
           <a:p>
             <a:fld id="{985AB57D-2A49-4783-ACF5-E89BFF76D73C}" type="datetimeFigureOut">
               <a:rPr lang="ko-KR" altLang="en-US" smtClean="0"/>
-              <a:t>2024-04-04</a:t>
+              <a:t>2024-04-08</a:t>
             </a:fld>
             <a:endParaRPr lang="ko-KR" altLang="en-US"/>
           </a:p>
@@ -2915,7 +2918,7 @@
           <a:p>
             <a:fld id="{985AB57D-2A49-4783-ACF5-E89BFF76D73C}" type="datetimeFigureOut">
               <a:rPr lang="ko-KR" altLang="en-US" smtClean="0"/>
-              <a:t>2024-04-04</a:t>
+              <a:t>2024-04-08</a:t>
             </a:fld>
             <a:endParaRPr lang="ko-KR" altLang="en-US"/>
           </a:p>
@@ -3586,6 +3589,251 @@
 </p:sld>
 </file>
 
+<file path=ppt/slides/slide10.xml><?xml version="1.0" encoding="utf-8"?>
+<p:sld xmlns:a="http://schemas.openxmlformats.org/drawingml/2006/main" xmlns:r="http://schemas.openxmlformats.org/officeDocument/2006/relationships" xmlns:p="http://schemas.openxmlformats.org/presentationml/2006/main">
+  <p:cSld>
+    <p:spTree>
+      <p:nvGrpSpPr>
+        <p:cNvPr id="1" name=""/>
+        <p:cNvGrpSpPr/>
+        <p:nvPr/>
+      </p:nvGrpSpPr>
+      <p:grpSpPr>
+        <a:xfrm>
+          <a:off x="0" y="0"/>
+          <a:ext cx="0" cy="0"/>
+          <a:chOff x="0" y="0"/>
+          <a:chExt cx="0" cy="0"/>
+        </a:xfrm>
+      </p:grpSpPr>
+      <p:pic>
+        <p:nvPicPr>
+          <p:cNvPr id="2050" name="Picture 2">
+            <a:extLst>
+              <a:ext uri="{FF2B5EF4-FFF2-40B4-BE49-F238E27FC236}">
+                <a16:creationId xmlns:a16="http://schemas.microsoft.com/office/drawing/2014/main" id="{6234A84D-3C80-B85E-FDCB-D8315190E694}"/>
+              </a:ext>
+            </a:extLst>
+          </p:cNvPr>
+          <p:cNvPicPr>
+            <a:picLocks noChangeAspect="1" noChangeArrowheads="1"/>
+          </p:cNvPicPr>
+          <p:nvPr/>
+        </p:nvPicPr>
+        <p:blipFill>
+          <a:blip r:embed="rId2">
+            <a:extLst>
+              <a:ext uri="{28A0092B-C50C-407E-A947-70E740481C1C}">
+                <a14:useLocalDpi xmlns:a14="http://schemas.microsoft.com/office/drawing/2010/main" val="0"/>
+              </a:ext>
+            </a:extLst>
+          </a:blip>
+          <a:srcRect/>
+          <a:stretch>
+            <a:fillRect/>
+          </a:stretch>
+        </p:blipFill>
+        <p:spPr bwMode="auto">
+          <a:xfrm>
+            <a:off x="4517951" y="272902"/>
+            <a:ext cx="3156098" cy="3156098"/>
+          </a:xfrm>
+          <a:prstGeom prst="rect">
+            <a:avLst/>
+          </a:prstGeom>
+          <a:noFill/>
+          <a:extLst>
+            <a:ext uri="{909E8E84-426E-40DD-AFC4-6F175D3DCCD1}">
+              <a14:hiddenFill xmlns:a14="http://schemas.microsoft.com/office/drawing/2010/main">
+                <a:solidFill>
+                  <a:srgbClr val="FFFFFF"/>
+                </a:solidFill>
+              </a14:hiddenFill>
+            </a:ext>
+          </a:extLst>
+        </p:spPr>
+      </p:pic>
+      <p:graphicFrame>
+        <p:nvGraphicFramePr>
+          <p:cNvPr id="4" name="표 3">
+            <a:extLst>
+              <a:ext uri="{FF2B5EF4-FFF2-40B4-BE49-F238E27FC236}">
+                <a16:creationId xmlns:a16="http://schemas.microsoft.com/office/drawing/2014/main" id="{7F42109A-CF7E-04C0-A70A-4B3FFC514DC7}"/>
+              </a:ext>
+            </a:extLst>
+          </p:cNvPr>
+          <p:cNvGraphicFramePr>
+            <a:graphicFrameLocks noGrp="1"/>
+          </p:cNvGraphicFramePr>
+          <p:nvPr/>
+        </p:nvGraphicFramePr>
+        <p:xfrm>
+          <a:off x="8046719" y="5287685"/>
+          <a:ext cx="3604205" cy="1205860"/>
+        </p:xfrm>
+        <a:graphic>
+          <a:graphicData uri="http://schemas.openxmlformats.org/drawingml/2006/table">
+            <a:tbl>
+              <a:tblPr firstRow="1" bandRow="1">
+                <a:tableStyleId>{5940675A-B579-460E-94D1-54222C63F5DA}</a:tableStyleId>
+              </a:tblPr>
+              <a:tblGrid>
+                <a:gridCol w="1293073">
+                  <a:extLst>
+                    <a:ext uri="{9D8B030D-6E8A-4147-A177-3AD203B41FA5}">
+                      <a16:colId xmlns:a16="http://schemas.microsoft.com/office/drawing/2014/main" val="3768000762"/>
+                    </a:ext>
+                  </a:extLst>
+                </a:gridCol>
+                <a:gridCol w="2311132">
+                  <a:extLst>
+                    <a:ext uri="{9D8B030D-6E8A-4147-A177-3AD203B41FA5}">
+                      <a16:colId xmlns:a16="http://schemas.microsoft.com/office/drawing/2014/main" val="621400972"/>
+                    </a:ext>
+                  </a:extLst>
+                </a:gridCol>
+              </a:tblGrid>
+              <a:tr h="602930">
+                <a:tc>
+                  <a:txBody>
+                    <a:bodyPr/>
+                    <a:lstStyle/>
+                    <a:p>
+                      <a:pPr algn="ctr" latinLnBrk="1"/>
+                      <a:r>
+                        <a:rPr lang="ko-KR" altLang="en-US"/>
+                        <a:t>이름</a:t>
+                      </a:r>
+                    </a:p>
+                  </a:txBody>
+                  <a:tcPr anchor="ctr">
+                    <a:solidFill>
+                      <a:schemeClr val="bg1">
+                        <a:lumMod val="85000"/>
+                      </a:schemeClr>
+                    </a:solidFill>
+                  </a:tcPr>
+                </a:tc>
+                <a:tc>
+                  <a:txBody>
+                    <a:bodyPr/>
+                    <a:lstStyle/>
+                    <a:p>
+                      <a:pPr algn="ctr" latinLnBrk="1"/>
+                      <a:r>
+                        <a:rPr lang="ko-KR" altLang="en-US"/>
+                        <a:t>신동욱</a:t>
+                      </a:r>
+                    </a:p>
+                  </a:txBody>
+                  <a:tcPr anchor="ctr">
+                    <a:solidFill>
+                      <a:schemeClr val="bg1">
+                        <a:lumMod val="85000"/>
+                      </a:schemeClr>
+                    </a:solidFill>
+                  </a:tcPr>
+                </a:tc>
+                <a:extLst>
+                  <a:ext uri="{0D108BD9-81ED-4DB2-BD59-A6C34878D82A}">
+                    <a16:rowId xmlns:a16="http://schemas.microsoft.com/office/drawing/2014/main" val="4126181735"/>
+                  </a:ext>
+                </a:extLst>
+              </a:tr>
+              <a:tr h="602930">
+                <a:tc>
+                  <a:txBody>
+                    <a:bodyPr/>
+                    <a:lstStyle/>
+                    <a:p>
+                      <a:pPr algn="ctr" latinLnBrk="1"/>
+                      <a:r>
+                        <a:rPr lang="ko-KR" altLang="en-US"/>
+                        <a:t>학번</a:t>
+                      </a:r>
+                    </a:p>
+                  </a:txBody>
+                  <a:tcPr anchor="ctr"/>
+                </a:tc>
+                <a:tc>
+                  <a:txBody>
+                    <a:bodyPr/>
+                    <a:lstStyle/>
+                    <a:p>
+                      <a:pPr algn="ctr" latinLnBrk="1"/>
+                      <a:r>
+                        <a:rPr lang="en-US" altLang="ko-KR"/>
+                        <a:t>20204101</a:t>
+                      </a:r>
+                      <a:endParaRPr lang="ko-KR" altLang="en-US"/>
+                    </a:p>
+                  </a:txBody>
+                  <a:tcPr anchor="ctr"/>
+                </a:tc>
+                <a:extLst>
+                  <a:ext uri="{0D108BD9-81ED-4DB2-BD59-A6C34878D82A}">
+                    <a16:rowId xmlns:a16="http://schemas.microsoft.com/office/drawing/2014/main" val="2104582996"/>
+                  </a:ext>
+                </a:extLst>
+              </a:tr>
+            </a:tbl>
+          </a:graphicData>
+        </a:graphic>
+      </p:graphicFrame>
+      <p:sp>
+        <p:nvSpPr>
+          <p:cNvPr id="5" name="TextBox 4">
+            <a:extLst>
+              <a:ext uri="{FF2B5EF4-FFF2-40B4-BE49-F238E27FC236}">
+                <a16:creationId xmlns:a16="http://schemas.microsoft.com/office/drawing/2014/main" id="{3B927AE3-845A-E07E-5DFD-9651CE54EAB8}"/>
+              </a:ext>
+            </a:extLst>
+          </p:cNvPr>
+          <p:cNvSpPr txBox="1"/>
+          <p:nvPr/>
+        </p:nvSpPr>
+        <p:spPr>
+          <a:xfrm>
+            <a:off x="2849525" y="3599688"/>
+            <a:ext cx="6492950" cy="735842"/>
+          </a:xfrm>
+          <a:prstGeom prst="rect">
+            <a:avLst/>
+          </a:prstGeom>
+          <a:noFill/>
+        </p:spPr>
+        <p:txBody>
+          <a:bodyPr wrap="square" rtlCol="0" anchor="ctr">
+            <a:spAutoFit/>
+          </a:bodyPr>
+          <a:lstStyle/>
+          <a:p>
+            <a:pPr algn="ctr">
+              <a:lnSpc>
+                <a:spcPct val="150000"/>
+              </a:lnSpc>
+            </a:pPr>
+            <a:r>
+              <a:rPr lang="ko-KR" altLang="en-US" sz="3200"/>
+              <a:t>감사합니다</a:t>
+            </a:r>
+            <a:endParaRPr lang="en-US" altLang="ko-KR" sz="3200"/>
+          </a:p>
+        </p:txBody>
+      </p:sp>
+    </p:spTree>
+    <p:extLst>
+      <p:ext uri="{BB962C8B-B14F-4D97-AF65-F5344CB8AC3E}">
+        <p14:creationId xmlns:p14="http://schemas.microsoft.com/office/powerpoint/2010/main" val="955499675"/>
+      </p:ext>
+    </p:extLst>
+  </p:cSld>
+  <p:clrMapOvr>
+    <a:masterClrMapping/>
+  </p:clrMapOvr>
+</p:sld>
+</file>
+
 <file path=ppt/slides/slide2.xml><?xml version="1.0" encoding="utf-8"?>
 <p:sld xmlns:a="http://schemas.openxmlformats.org/drawingml/2006/main" xmlns:r="http://schemas.openxmlformats.org/officeDocument/2006/relationships" xmlns:p="http://schemas.openxmlformats.org/presentationml/2006/main">
   <p:cSld>
@@ -3725,7 +3973,7 @@
           <a:lstStyle/>
           <a:p>
             <a:r>
-              <a:rPr lang="ko-KR" altLang="en-US" sz="2000">
+              <a:rPr lang="ko-KR" altLang="en-US" sz="2000" dirty="0">
                 <a:solidFill>
                   <a:schemeClr val="tx2">
                     <a:lumMod val="75000"/>
@@ -3733,7 +3981,7 @@
                   </a:schemeClr>
                 </a:solidFill>
               </a:rPr>
-              <a:t>텍스트 입력</a:t>
+              <a:t>과제</a:t>
             </a:r>
           </a:p>
         </p:txBody>
@@ -4715,65 +4963,77 @@
           <a:lstStyle/>
           <a:p>
             <a:r>
-              <a:rPr lang="en-US" altLang="ko-KR"/>
-              <a:t>shm_open : </a:t>
-            </a:r>
-            <a:r>
-              <a:rPr lang="ko-KR" altLang="en-US"/>
+              <a:rPr lang="en-US" altLang="ko-KR" dirty="0" err="1"/>
+              <a:t>shm_open</a:t>
+            </a:r>
+            <a:r>
+              <a:rPr lang="en-US" altLang="ko-KR" dirty="0"/>
+              <a:t> : </a:t>
+            </a:r>
+            <a:r>
+              <a:rPr lang="ko-KR" altLang="en-US" dirty="0"/>
               <a:t>공유메모리 객체 생성하여</a:t>
             </a:r>
             <a:r>
-              <a:rPr lang="en-US" altLang="ko-KR"/>
+              <a:rPr lang="en-US" altLang="ko-KR" dirty="0"/>
               <a:t> </a:t>
             </a:r>
           </a:p>
           <a:p>
             <a:r>
-              <a:rPr lang="ko-KR" altLang="en-US"/>
+              <a:rPr lang="ko-KR" altLang="en-US" dirty="0"/>
               <a:t>파일기술자를 반환</a:t>
             </a:r>
-            <a:endParaRPr lang="en-US" altLang="ko-KR"/>
-          </a:p>
-          <a:p>
-            <a:endParaRPr lang="en-US" altLang="ko-KR"/>
-          </a:p>
-          <a:p>
-            <a:r>
-              <a:rPr lang="en-US" altLang="ko-KR"/>
-              <a:t>ftruncate : </a:t>
-            </a:r>
-            <a:r>
-              <a:rPr lang="ko-KR" altLang="en-US"/>
+            <a:endParaRPr lang="en-US" altLang="ko-KR" dirty="0"/>
+          </a:p>
+          <a:p>
+            <a:endParaRPr lang="en-US" altLang="ko-KR" dirty="0"/>
+          </a:p>
+          <a:p>
+            <a:r>
+              <a:rPr lang="en-US" altLang="ko-KR" dirty="0" err="1"/>
+              <a:t>ftruncate</a:t>
+            </a:r>
+            <a:r>
+              <a:rPr lang="en-US" altLang="ko-KR" dirty="0"/>
+              <a:t> : </a:t>
+            </a:r>
+            <a:r>
+              <a:rPr lang="ko-KR" altLang="en-US" dirty="0"/>
               <a:t>객체의 크기를 지정</a:t>
             </a:r>
-            <a:endParaRPr lang="en-US" altLang="ko-KR"/>
-          </a:p>
-          <a:p>
-            <a:endParaRPr lang="en-US" altLang="ko-KR"/>
-          </a:p>
-          <a:p>
-            <a:r>
-              <a:rPr lang="en-US" altLang="ko-KR"/>
-              <a:t>mmap : </a:t>
-            </a:r>
-            <a:r>
-              <a:rPr lang="ko-KR" altLang="en-US"/>
+            <a:endParaRPr lang="en-US" altLang="ko-KR" dirty="0"/>
+          </a:p>
+          <a:p>
+            <a:endParaRPr lang="en-US" altLang="ko-KR" dirty="0"/>
+          </a:p>
+          <a:p>
+            <a:r>
+              <a:rPr lang="en-US" altLang="ko-KR" dirty="0" err="1"/>
+              <a:t>mmap</a:t>
+            </a:r>
+            <a:r>
+              <a:rPr lang="en-US" altLang="ko-KR" dirty="0"/>
+              <a:t> : </a:t>
+            </a:r>
+            <a:r>
+              <a:rPr lang="ko-KR" altLang="en-US" dirty="0"/>
               <a:t>공유메모리 객체를 메모리에 </a:t>
             </a:r>
-            <a:endParaRPr lang="en-US" altLang="ko-KR"/>
-          </a:p>
-          <a:p>
-            <a:r>
-              <a:rPr lang="ko-KR" altLang="en-US"/>
+            <a:endParaRPr lang="en-US" altLang="ko-KR" dirty="0"/>
+          </a:p>
+          <a:p>
+            <a:r>
+              <a:rPr lang="ko-KR" altLang="en-US" dirty="0"/>
               <a:t>사상하여 접근할 포인터 반환</a:t>
             </a:r>
-            <a:endParaRPr lang="en-US" altLang="ko-KR"/>
-          </a:p>
-          <a:p>
-            <a:endParaRPr lang="en-US" altLang="ko-KR"/>
-          </a:p>
-          <a:p>
-            <a:endParaRPr lang="en-US" altLang="ko-KR"/>
+            <a:endParaRPr lang="en-US" altLang="ko-KR" dirty="0"/>
+          </a:p>
+          <a:p>
+            <a:endParaRPr lang="en-US" altLang="ko-KR" dirty="0"/>
+          </a:p>
+          <a:p>
+            <a:endParaRPr lang="en-US" altLang="ko-KR" dirty="0"/>
           </a:p>
         </p:txBody>
       </p:sp>
@@ -5149,54 +5409,62 @@
           <a:lstStyle/>
           <a:p>
             <a:r>
-              <a:rPr lang="en-US" altLang="ko-KR"/>
-              <a:t>shm_open : </a:t>
-            </a:r>
-            <a:r>
-              <a:rPr lang="ko-KR" altLang="en-US"/>
+              <a:rPr lang="en-US" altLang="ko-KR" dirty="0" err="1"/>
+              <a:t>shm_open</a:t>
+            </a:r>
+            <a:r>
+              <a:rPr lang="en-US" altLang="ko-KR" dirty="0"/>
+              <a:t> : </a:t>
+            </a:r>
+            <a:r>
+              <a:rPr lang="ko-KR" altLang="en-US" dirty="0"/>
               <a:t>공유메모리 객체 생성하여</a:t>
             </a:r>
             <a:r>
-              <a:rPr lang="en-US" altLang="ko-KR"/>
+              <a:rPr lang="en-US" altLang="ko-KR" dirty="0"/>
               <a:t> </a:t>
             </a:r>
           </a:p>
           <a:p>
             <a:r>
-              <a:rPr lang="ko-KR" altLang="en-US"/>
+              <a:rPr lang="ko-KR" altLang="en-US" dirty="0"/>
               <a:t>파일기술자를 반환</a:t>
             </a:r>
-            <a:endParaRPr lang="en-US" altLang="ko-KR"/>
-          </a:p>
-          <a:p>
-            <a:endParaRPr lang="en-US" altLang="ko-KR"/>
-          </a:p>
-          <a:p>
-            <a:endParaRPr lang="en-US" altLang="ko-KR"/>
-          </a:p>
-          <a:p>
-            <a:r>
-              <a:rPr lang="en-US" altLang="ko-KR"/>
-              <a:t>mmap : </a:t>
-            </a:r>
-            <a:r>
-              <a:rPr lang="ko-KR" altLang="en-US"/>
+            <a:endParaRPr lang="en-US" altLang="ko-KR" dirty="0"/>
+          </a:p>
+          <a:p>
+            <a:endParaRPr lang="en-US" altLang="ko-KR" dirty="0"/>
+          </a:p>
+          <a:p>
+            <a:endParaRPr lang="en-US" altLang="ko-KR" dirty="0"/>
+          </a:p>
+          <a:p>
+            <a:r>
+              <a:rPr lang="en-US" altLang="ko-KR" dirty="0" err="1"/>
+              <a:t>mmap</a:t>
+            </a:r>
+            <a:r>
+              <a:rPr lang="en-US" altLang="ko-KR" dirty="0"/>
+              <a:t> : </a:t>
+            </a:r>
+            <a:r>
+              <a:rPr lang="ko-KR" altLang="en-US" dirty="0"/>
               <a:t>공유메모리 객체를 메모리에 </a:t>
             </a:r>
-            <a:endParaRPr lang="en-US" altLang="ko-KR"/>
-          </a:p>
-          <a:p>
-            <a:r>
-              <a:rPr lang="ko-KR" altLang="en-US"/>
+            <a:endParaRPr lang="en-US" altLang="ko-KR" dirty="0"/>
+          </a:p>
+          <a:p>
+            <a:r>
+              <a:rPr lang="ko-KR" altLang="en-US" dirty="0"/>
               <a:t>사상하여 접근할 포인터 반환</a:t>
             </a:r>
-            <a:endParaRPr lang="en-US" altLang="ko-KR"/>
-          </a:p>
-          <a:p>
-            <a:endParaRPr lang="en-US" altLang="ko-KR"/>
-          </a:p>
-          <a:p>
-            <a:endParaRPr lang="en-US" altLang="ko-KR"/>
+            <a:endParaRPr lang="en-US" altLang="ko-KR" dirty="0"/>
+          </a:p>
+          <a:p>
+            <a:endParaRPr lang="en-US" altLang="ko-KR" dirty="0"/>
+          </a:p>
+          <a:p>
+            <a:endParaRPr lang="en-US" altLang="ko-KR" dirty="0"/>
           </a:p>
         </p:txBody>
       </p:sp>
@@ -5521,7 +5789,7 @@
           <a:lstStyle/>
           <a:p>
             <a:r>
-              <a:rPr lang="ko-KR" altLang="en-US" sz="2000">
+              <a:rPr lang="ko-KR" altLang="en-US" sz="2000" dirty="0">
                 <a:solidFill>
                   <a:schemeClr val="tx2">
                     <a:lumMod val="75000"/>
@@ -5529,7 +5797,7 @@
                   </a:schemeClr>
                 </a:solidFill>
               </a:rPr>
-              <a:t>텍스트 입력</a:t>
+              <a:t>실행 결과</a:t>
             </a:r>
           </a:p>
         </p:txBody>
@@ -5727,10 +5995,10 @@
       </p:grpSpPr>
       <p:pic>
         <p:nvPicPr>
-          <p:cNvPr id="2050" name="Picture 2">
-            <a:extLst>
-              <a:ext uri="{FF2B5EF4-FFF2-40B4-BE49-F238E27FC236}">
-                <a16:creationId xmlns:a16="http://schemas.microsoft.com/office/drawing/2014/main" id="{6234A84D-3C80-B85E-FDCB-D8315190E694}"/>
+          <p:cNvPr id="1030" name="Picture 6">
+            <a:extLst>
+              <a:ext uri="{FF2B5EF4-FFF2-40B4-BE49-F238E27FC236}">
+                <a16:creationId xmlns:a16="http://schemas.microsoft.com/office/drawing/2014/main" id="{414F068D-B6DC-C482-3E93-242F80B7AF33}"/>
               </a:ext>
             </a:extLst>
           </p:cNvPr>
@@ -5754,8 +6022,8 @@
         </p:blipFill>
         <p:spPr bwMode="auto">
           <a:xfrm>
-            <a:off x="4517951" y="272902"/>
-            <a:ext cx="3156098" cy="3156098"/>
+            <a:off x="0" y="0"/>
+            <a:ext cx="2454745" cy="810066"/>
           </a:xfrm>
           <a:prstGeom prst="rect">
             <a:avLst/>
@@ -5772,139 +6040,58 @@
           </a:extLst>
         </p:spPr>
       </p:pic>
-      <p:graphicFrame>
-        <p:nvGraphicFramePr>
-          <p:cNvPr id="4" name="표 3">
-            <a:extLst>
-              <a:ext uri="{FF2B5EF4-FFF2-40B4-BE49-F238E27FC236}">
-                <a16:creationId xmlns:a16="http://schemas.microsoft.com/office/drawing/2014/main" id="{7F42109A-CF7E-04C0-A70A-4B3FFC514DC7}"/>
-              </a:ext>
-            </a:extLst>
-          </p:cNvPr>
-          <p:cNvGraphicFramePr>
-            <a:graphicFrameLocks noGrp="1"/>
-          </p:cNvGraphicFramePr>
+      <p:cxnSp>
+        <p:nvCxnSpPr>
+          <p:cNvPr id="5" name="직선 연결선 4">
+            <a:extLst>
+              <a:ext uri="{FF2B5EF4-FFF2-40B4-BE49-F238E27FC236}">
+                <a16:creationId xmlns:a16="http://schemas.microsoft.com/office/drawing/2014/main" id="{3AD05DBD-FED7-649E-C56D-DC29A96957DE}"/>
+              </a:ext>
+            </a:extLst>
+          </p:cNvPr>
+          <p:cNvCxnSpPr>
+            <a:cxnSpLocks/>
+          </p:cNvCxnSpPr>
           <p:nvPr/>
-        </p:nvGraphicFramePr>
-        <p:xfrm>
-          <a:off x="8046719" y="5287685"/>
-          <a:ext cx="3604205" cy="1205860"/>
-        </p:xfrm>
-        <a:graphic>
-          <a:graphicData uri="http://schemas.openxmlformats.org/drawingml/2006/table">
-            <a:tbl>
-              <a:tblPr firstRow="1" bandRow="1">
-                <a:tableStyleId>{5940675A-B579-460E-94D1-54222C63F5DA}</a:tableStyleId>
-              </a:tblPr>
-              <a:tblGrid>
-                <a:gridCol w="1293073">
-                  <a:extLst>
-                    <a:ext uri="{9D8B030D-6E8A-4147-A177-3AD203B41FA5}">
-                      <a16:colId xmlns:a16="http://schemas.microsoft.com/office/drawing/2014/main" val="3768000762"/>
-                    </a:ext>
-                  </a:extLst>
-                </a:gridCol>
-                <a:gridCol w="2311132">
-                  <a:extLst>
-                    <a:ext uri="{9D8B030D-6E8A-4147-A177-3AD203B41FA5}">
-                      <a16:colId xmlns:a16="http://schemas.microsoft.com/office/drawing/2014/main" val="621400972"/>
-                    </a:ext>
-                  </a:extLst>
-                </a:gridCol>
-              </a:tblGrid>
-              <a:tr h="602930">
-                <a:tc>
-                  <a:txBody>
-                    <a:bodyPr/>
-                    <a:lstStyle/>
-                    <a:p>
-                      <a:pPr algn="ctr" latinLnBrk="1"/>
-                      <a:r>
-                        <a:rPr lang="ko-KR" altLang="en-US"/>
-                        <a:t>이름</a:t>
-                      </a:r>
-                    </a:p>
-                  </a:txBody>
-                  <a:tcPr anchor="ctr">
-                    <a:solidFill>
-                      <a:schemeClr val="bg1">
-                        <a:lumMod val="85000"/>
-                      </a:schemeClr>
-                    </a:solidFill>
-                  </a:tcPr>
-                </a:tc>
-                <a:tc>
-                  <a:txBody>
-                    <a:bodyPr/>
-                    <a:lstStyle/>
-                    <a:p>
-                      <a:pPr algn="ctr" latinLnBrk="1"/>
-                      <a:r>
-                        <a:rPr lang="ko-KR" altLang="en-US"/>
-                        <a:t>신동욱</a:t>
-                      </a:r>
-                    </a:p>
-                  </a:txBody>
-                  <a:tcPr anchor="ctr">
-                    <a:solidFill>
-                      <a:schemeClr val="bg1">
-                        <a:lumMod val="85000"/>
-                      </a:schemeClr>
-                    </a:solidFill>
-                  </a:tcPr>
-                </a:tc>
-                <a:extLst>
-                  <a:ext uri="{0D108BD9-81ED-4DB2-BD59-A6C34878D82A}">
-                    <a16:rowId xmlns:a16="http://schemas.microsoft.com/office/drawing/2014/main" val="4126181735"/>
-                  </a:ext>
-                </a:extLst>
-              </a:tr>
-              <a:tr h="602930">
-                <a:tc>
-                  <a:txBody>
-                    <a:bodyPr/>
-                    <a:lstStyle/>
-                    <a:p>
-                      <a:pPr algn="ctr" latinLnBrk="1"/>
-                      <a:r>
-                        <a:rPr lang="ko-KR" altLang="en-US"/>
-                        <a:t>학번</a:t>
-                      </a:r>
-                    </a:p>
-                  </a:txBody>
-                  <a:tcPr anchor="ctr"/>
-                </a:tc>
-                <a:tc>
-                  <a:txBody>
-                    <a:bodyPr/>
-                    <a:lstStyle/>
-                    <a:p>
-                      <a:pPr algn="ctr" latinLnBrk="1"/>
-                      <a:r>
-                        <a:rPr lang="en-US" altLang="ko-KR"/>
-                        <a:t>20204101</a:t>
-                      </a:r>
-                      <a:endParaRPr lang="ko-KR" altLang="en-US"/>
-                    </a:p>
-                  </a:txBody>
-                  <a:tcPr anchor="ctr"/>
-                </a:tc>
-                <a:extLst>
-                  <a:ext uri="{0D108BD9-81ED-4DB2-BD59-A6C34878D82A}">
-                    <a16:rowId xmlns:a16="http://schemas.microsoft.com/office/drawing/2014/main" val="2104582996"/>
-                  </a:ext>
-                </a:extLst>
-              </a:tr>
-            </a:tbl>
-          </a:graphicData>
-        </a:graphic>
-      </p:graphicFrame>
-      <p:sp>
-        <p:nvSpPr>
-          <p:cNvPr id="5" name="TextBox 4">
-            <a:extLst>
-              <a:ext uri="{FF2B5EF4-FFF2-40B4-BE49-F238E27FC236}">
-                <a16:creationId xmlns:a16="http://schemas.microsoft.com/office/drawing/2014/main" id="{3B927AE3-845A-E07E-5DFD-9651CE54EAB8}"/>
+        </p:nvCxnSpPr>
+        <p:spPr>
+          <a:xfrm>
+            <a:off x="244549" y="693108"/>
+            <a:ext cx="11695814" cy="0"/>
+          </a:xfrm>
+          <a:prstGeom prst="line">
+            <a:avLst/>
+          </a:prstGeom>
+          <a:ln>
+            <a:solidFill>
+              <a:schemeClr val="tx2">
+                <a:lumMod val="75000"/>
+                <a:lumOff val="25000"/>
+              </a:schemeClr>
+            </a:solidFill>
+          </a:ln>
+        </p:spPr>
+        <p:style>
+          <a:lnRef idx="2">
+            <a:schemeClr val="accent1"/>
+          </a:lnRef>
+          <a:fillRef idx="0">
+            <a:schemeClr val="accent1"/>
+          </a:fillRef>
+          <a:effectRef idx="1">
+            <a:schemeClr val="accent1"/>
+          </a:effectRef>
+          <a:fontRef idx="minor">
+            <a:schemeClr val="tx1"/>
+          </a:fontRef>
+        </p:style>
+      </p:cxnSp>
+      <p:sp>
+        <p:nvSpPr>
+          <p:cNvPr id="2" name="TextBox 1">
+            <a:extLst>
+              <a:ext uri="{FF2B5EF4-FFF2-40B4-BE49-F238E27FC236}">
+                <a16:creationId xmlns:a16="http://schemas.microsoft.com/office/drawing/2014/main" id="{DB5786AE-887E-716B-C574-D341510FB4E8}"/>
               </a:ext>
             </a:extLst>
           </p:cNvPr>
@@ -5913,8 +6100,8 @@
         </p:nvSpPr>
         <p:spPr>
           <a:xfrm>
-            <a:off x="2849525" y="3599688"/>
-            <a:ext cx="6492950" cy="735842"/>
+            <a:off x="2518537" y="183712"/>
+            <a:ext cx="3944679" cy="400110"/>
           </a:xfrm>
           <a:prstGeom prst="rect">
             <a:avLst/>
@@ -5922,28 +6109,840 @@
           <a:noFill/>
         </p:spPr>
         <p:txBody>
-          <a:bodyPr wrap="square" rtlCol="0" anchor="ctr">
+          <a:bodyPr wrap="square" rtlCol="0">
             <a:spAutoFit/>
           </a:bodyPr>
           <a:lstStyle/>
           <a:p>
-            <a:pPr algn="ctr">
+            <a:r>
+              <a:rPr lang="en-US" altLang="ko-KR" sz="2000" dirty="0">
+                <a:solidFill>
+                  <a:schemeClr val="tx2">
+                    <a:lumMod val="75000"/>
+                    <a:lumOff val="25000"/>
+                  </a:schemeClr>
+                </a:solidFill>
+              </a:rPr>
+              <a:t>3.16</a:t>
+            </a:r>
+            <a:endParaRPr lang="ko-KR" altLang="en-US" sz="2000" dirty="0">
+              <a:solidFill>
+                <a:schemeClr val="tx2">
+                  <a:lumMod val="75000"/>
+                  <a:lumOff val="25000"/>
+                </a:schemeClr>
+              </a:solidFill>
+            </a:endParaRPr>
+          </a:p>
+        </p:txBody>
+      </p:sp>
+      <p:pic>
+        <p:nvPicPr>
+          <p:cNvPr id="11" name="그림 10">
+            <a:extLst>
+              <a:ext uri="{FF2B5EF4-FFF2-40B4-BE49-F238E27FC236}">
+                <a16:creationId xmlns:a16="http://schemas.microsoft.com/office/drawing/2014/main" id="{DA2C0A1D-9B9D-C44D-B75F-796FC344342D}"/>
+              </a:ext>
+            </a:extLst>
+          </p:cNvPr>
+          <p:cNvPicPr>
+            <a:picLocks noChangeAspect="1"/>
+          </p:cNvPicPr>
+          <p:nvPr/>
+        </p:nvPicPr>
+        <p:blipFill>
+          <a:blip r:embed="rId3"/>
+          <a:stretch>
+            <a:fillRect/>
+          </a:stretch>
+        </p:blipFill>
+        <p:spPr>
+          <a:xfrm>
+            <a:off x="4940450" y="457200"/>
+            <a:ext cx="6999913" cy="6217088"/>
+          </a:xfrm>
+          <a:prstGeom prst="rect">
+            <a:avLst/>
+          </a:prstGeom>
+        </p:spPr>
+      </p:pic>
+      <p:pic>
+        <p:nvPicPr>
+          <p:cNvPr id="15" name="그림 14">
+            <a:extLst>
+              <a:ext uri="{FF2B5EF4-FFF2-40B4-BE49-F238E27FC236}">
+                <a16:creationId xmlns:a16="http://schemas.microsoft.com/office/drawing/2014/main" id="{06D285EF-300F-D2E5-8A0A-8E6C5D97B129}"/>
+              </a:ext>
+            </a:extLst>
+          </p:cNvPr>
+          <p:cNvPicPr>
+            <a:picLocks noChangeAspect="1"/>
+          </p:cNvPicPr>
+          <p:nvPr/>
+        </p:nvPicPr>
+        <p:blipFill>
+          <a:blip r:embed="rId4"/>
+          <a:stretch>
+            <a:fillRect/>
+          </a:stretch>
+        </p:blipFill>
+        <p:spPr>
+          <a:xfrm>
+            <a:off x="409449" y="1065761"/>
+            <a:ext cx="3219899" cy="581106"/>
+          </a:xfrm>
+          <a:prstGeom prst="rect">
+            <a:avLst/>
+          </a:prstGeom>
+        </p:spPr>
+      </p:pic>
+      <p:sp>
+        <p:nvSpPr>
+          <p:cNvPr id="16" name="사각형: 둥근 모서리 15">
+            <a:extLst>
+              <a:ext uri="{FF2B5EF4-FFF2-40B4-BE49-F238E27FC236}">
+                <a16:creationId xmlns:a16="http://schemas.microsoft.com/office/drawing/2014/main" id="{95B5A97E-1751-C29F-6D2E-64CCF6C311A6}"/>
+              </a:ext>
+            </a:extLst>
+          </p:cNvPr>
+          <p:cNvSpPr/>
+          <p:nvPr/>
+        </p:nvSpPr>
+        <p:spPr>
+          <a:xfrm>
+            <a:off x="4478247" y="3030435"/>
+            <a:ext cx="4937163" cy="367670"/>
+          </a:xfrm>
+          <a:prstGeom prst="roundRect">
+            <a:avLst/>
+          </a:prstGeom>
+          <a:noFill/>
+          <a:ln w="28575">
+            <a:solidFill>
+              <a:srgbClr val="FF0000"/>
+            </a:solidFill>
+          </a:ln>
+        </p:spPr>
+        <p:style>
+          <a:lnRef idx="2">
+            <a:schemeClr val="accent1">
+              <a:shade val="15000"/>
+            </a:schemeClr>
+          </a:lnRef>
+          <a:fillRef idx="1">
+            <a:schemeClr val="accent1"/>
+          </a:fillRef>
+          <a:effectRef idx="0">
+            <a:schemeClr val="accent1"/>
+          </a:effectRef>
+          <a:fontRef idx="minor">
+            <a:schemeClr val="lt1"/>
+          </a:fontRef>
+        </p:style>
+        <p:txBody>
+          <a:bodyPr rtlCol="0" anchor="ctr"/>
+          <a:lstStyle/>
+          <a:p>
+            <a:pPr algn="ctr"/>
+            <a:endParaRPr lang="ko-KR" altLang="en-US"/>
+          </a:p>
+        </p:txBody>
+      </p:sp>
+      <p:sp>
+        <p:nvSpPr>
+          <p:cNvPr id="17" name="TextBox 16">
+            <a:extLst>
+              <a:ext uri="{FF2B5EF4-FFF2-40B4-BE49-F238E27FC236}">
+                <a16:creationId xmlns:a16="http://schemas.microsoft.com/office/drawing/2014/main" id="{A3D6AB31-9726-C186-E93A-C44636B50DBB}"/>
+              </a:ext>
+            </a:extLst>
+          </p:cNvPr>
+          <p:cNvSpPr txBox="1"/>
+          <p:nvPr/>
+        </p:nvSpPr>
+        <p:spPr>
+          <a:xfrm>
+            <a:off x="539189" y="3579569"/>
+            <a:ext cx="4249881" cy="2585323"/>
+          </a:xfrm>
+          <a:prstGeom prst="rect">
+            <a:avLst/>
+          </a:prstGeom>
+          <a:noFill/>
+        </p:spPr>
+        <p:txBody>
+          <a:bodyPr wrap="none" rtlCol="0">
+            <a:spAutoFit/>
+          </a:bodyPr>
+          <a:lstStyle/>
+          <a:p>
+            <a:r>
+              <a:rPr lang="en-US" altLang="ko-KR" dirty="0" err="1"/>
+              <a:t>shm_open</a:t>
+            </a:r>
+            <a:r>
+              <a:rPr lang="en-US" altLang="ko-KR" dirty="0"/>
+              <a:t> : </a:t>
+            </a:r>
+            <a:r>
+              <a:rPr lang="ko-KR" altLang="en-US" dirty="0"/>
+              <a:t>공유메모리 객체 생성하여</a:t>
+            </a:r>
+            <a:r>
+              <a:rPr lang="en-US" altLang="ko-KR" dirty="0"/>
+              <a:t> </a:t>
+            </a:r>
+          </a:p>
+          <a:p>
+            <a:r>
+              <a:rPr lang="ko-KR" altLang="en-US" dirty="0"/>
+              <a:t>파일기술자를 반환</a:t>
+            </a:r>
+            <a:endParaRPr lang="en-US" altLang="ko-KR" dirty="0"/>
+          </a:p>
+          <a:p>
+            <a:endParaRPr lang="en-US" altLang="ko-KR" dirty="0"/>
+          </a:p>
+          <a:p>
+            <a:r>
+              <a:rPr lang="en-US" altLang="ko-KR" dirty="0" err="1"/>
+              <a:t>ftruncate</a:t>
+            </a:r>
+            <a:r>
+              <a:rPr lang="en-US" altLang="ko-KR" dirty="0"/>
+              <a:t> : </a:t>
+            </a:r>
+            <a:r>
+              <a:rPr lang="ko-KR" altLang="en-US" dirty="0"/>
+              <a:t>객체의 크기를 지정</a:t>
+            </a:r>
+            <a:endParaRPr lang="en-US" altLang="ko-KR" dirty="0"/>
+          </a:p>
+          <a:p>
+            <a:endParaRPr lang="en-US" altLang="ko-KR" dirty="0"/>
+          </a:p>
+          <a:p>
+            <a:r>
+              <a:rPr lang="en-US" altLang="ko-KR" dirty="0" err="1"/>
+              <a:t>mmap</a:t>
+            </a:r>
+            <a:r>
+              <a:rPr lang="en-US" altLang="ko-KR" dirty="0"/>
+              <a:t> : </a:t>
+            </a:r>
+            <a:r>
+              <a:rPr lang="ko-KR" altLang="en-US" dirty="0"/>
+              <a:t>공유메모리 객체를 메모리에 </a:t>
+            </a:r>
+            <a:endParaRPr lang="en-US" altLang="ko-KR" dirty="0"/>
+          </a:p>
+          <a:p>
+            <a:r>
+              <a:rPr lang="ko-KR" altLang="en-US" dirty="0"/>
+              <a:t>사상하여 접근할 포인터 반환</a:t>
+            </a:r>
+            <a:endParaRPr lang="en-US" altLang="ko-KR" dirty="0"/>
+          </a:p>
+          <a:p>
+            <a:endParaRPr lang="en-US" altLang="ko-KR" dirty="0"/>
+          </a:p>
+          <a:p>
+            <a:endParaRPr lang="en-US" altLang="ko-KR" dirty="0"/>
+          </a:p>
+        </p:txBody>
+      </p:sp>
+    </p:spTree>
+    <p:extLst>
+      <p:ext uri="{BB962C8B-B14F-4D97-AF65-F5344CB8AC3E}">
+        <p14:creationId xmlns:p14="http://schemas.microsoft.com/office/powerpoint/2010/main" val="2160548433"/>
+      </p:ext>
+    </p:extLst>
+  </p:cSld>
+  <p:clrMapOvr>
+    <a:masterClrMapping/>
+  </p:clrMapOvr>
+</p:sld>
+</file>
+
+<file path=ppt/slides/slide8.xml><?xml version="1.0" encoding="utf-8"?>
+<p:sld xmlns:a="http://schemas.openxmlformats.org/drawingml/2006/main" xmlns:r="http://schemas.openxmlformats.org/officeDocument/2006/relationships" xmlns:p="http://schemas.openxmlformats.org/presentationml/2006/main">
+  <p:cSld>
+    <p:spTree>
+      <p:nvGrpSpPr>
+        <p:cNvPr id="1" name=""/>
+        <p:cNvGrpSpPr/>
+        <p:nvPr/>
+      </p:nvGrpSpPr>
+      <p:grpSpPr>
+        <a:xfrm>
+          <a:off x="0" y="0"/>
+          <a:ext cx="0" cy="0"/>
+          <a:chOff x="0" y="0"/>
+          <a:chExt cx="0" cy="0"/>
+        </a:xfrm>
+      </p:grpSpPr>
+      <p:pic>
+        <p:nvPicPr>
+          <p:cNvPr id="1030" name="Picture 6">
+            <a:extLst>
+              <a:ext uri="{FF2B5EF4-FFF2-40B4-BE49-F238E27FC236}">
+                <a16:creationId xmlns:a16="http://schemas.microsoft.com/office/drawing/2014/main" id="{414F068D-B6DC-C482-3E93-242F80B7AF33}"/>
+              </a:ext>
+            </a:extLst>
+          </p:cNvPr>
+          <p:cNvPicPr>
+            <a:picLocks noChangeAspect="1" noChangeArrowheads="1"/>
+          </p:cNvPicPr>
+          <p:nvPr/>
+        </p:nvPicPr>
+        <p:blipFill>
+          <a:blip r:embed="rId2">
+            <a:extLst>
+              <a:ext uri="{28A0092B-C50C-407E-A947-70E740481C1C}">
+                <a14:useLocalDpi xmlns:a14="http://schemas.microsoft.com/office/drawing/2010/main" val="0"/>
+              </a:ext>
+            </a:extLst>
+          </a:blip>
+          <a:srcRect/>
+          <a:stretch>
+            <a:fillRect/>
+          </a:stretch>
+        </p:blipFill>
+        <p:spPr bwMode="auto">
+          <a:xfrm>
+            <a:off x="0" y="0"/>
+            <a:ext cx="2454745" cy="810066"/>
+          </a:xfrm>
+          <a:prstGeom prst="rect">
+            <a:avLst/>
+          </a:prstGeom>
+          <a:noFill/>
+          <a:extLst>
+            <a:ext uri="{909E8E84-426E-40DD-AFC4-6F175D3DCCD1}">
+              <a14:hiddenFill xmlns:a14="http://schemas.microsoft.com/office/drawing/2010/main">
+                <a:solidFill>
+                  <a:srgbClr val="FFFFFF"/>
+                </a:solidFill>
+              </a14:hiddenFill>
+            </a:ext>
+          </a:extLst>
+        </p:spPr>
+      </p:pic>
+      <p:cxnSp>
+        <p:nvCxnSpPr>
+          <p:cNvPr id="5" name="직선 연결선 4">
+            <a:extLst>
+              <a:ext uri="{FF2B5EF4-FFF2-40B4-BE49-F238E27FC236}">
+                <a16:creationId xmlns:a16="http://schemas.microsoft.com/office/drawing/2014/main" id="{3AD05DBD-FED7-649E-C56D-DC29A96957DE}"/>
+              </a:ext>
+            </a:extLst>
+          </p:cNvPr>
+          <p:cNvCxnSpPr>
+            <a:cxnSpLocks/>
+          </p:cNvCxnSpPr>
+          <p:nvPr/>
+        </p:nvCxnSpPr>
+        <p:spPr>
+          <a:xfrm>
+            <a:off x="244549" y="693108"/>
+            <a:ext cx="11695814" cy="0"/>
+          </a:xfrm>
+          <a:prstGeom prst="line">
+            <a:avLst/>
+          </a:prstGeom>
+          <a:ln>
+            <a:solidFill>
+              <a:schemeClr val="tx2">
+                <a:lumMod val="75000"/>
+                <a:lumOff val="25000"/>
+              </a:schemeClr>
+            </a:solidFill>
+          </a:ln>
+        </p:spPr>
+        <p:style>
+          <a:lnRef idx="2">
+            <a:schemeClr val="accent1"/>
+          </a:lnRef>
+          <a:fillRef idx="0">
+            <a:schemeClr val="accent1"/>
+          </a:fillRef>
+          <a:effectRef idx="1">
+            <a:schemeClr val="accent1"/>
+          </a:effectRef>
+          <a:fontRef idx="minor">
+            <a:schemeClr val="tx1"/>
+          </a:fontRef>
+        </p:style>
+      </p:cxnSp>
+      <p:sp>
+        <p:nvSpPr>
+          <p:cNvPr id="2" name="TextBox 1">
+            <a:extLst>
+              <a:ext uri="{FF2B5EF4-FFF2-40B4-BE49-F238E27FC236}">
+                <a16:creationId xmlns:a16="http://schemas.microsoft.com/office/drawing/2014/main" id="{DB5786AE-887E-716B-C574-D341510FB4E8}"/>
+              </a:ext>
+            </a:extLst>
+          </p:cNvPr>
+          <p:cNvSpPr txBox="1"/>
+          <p:nvPr/>
+        </p:nvSpPr>
+        <p:spPr>
+          <a:xfrm>
+            <a:off x="2518537" y="183712"/>
+            <a:ext cx="3944679" cy="400110"/>
+          </a:xfrm>
+          <a:prstGeom prst="rect">
+            <a:avLst/>
+          </a:prstGeom>
+          <a:noFill/>
+        </p:spPr>
+        <p:txBody>
+          <a:bodyPr wrap="square" rtlCol="0">
+            <a:spAutoFit/>
+          </a:bodyPr>
+          <a:lstStyle/>
+          <a:p>
+            <a:r>
+              <a:rPr lang="en-US" altLang="ko-KR" sz="2000" dirty="0">
+                <a:solidFill>
+                  <a:schemeClr val="tx2">
+                    <a:lumMod val="75000"/>
+                    <a:lumOff val="25000"/>
+                  </a:schemeClr>
+                </a:solidFill>
+              </a:rPr>
+              <a:t>3.17</a:t>
+            </a:r>
+            <a:endParaRPr lang="ko-KR" altLang="en-US" sz="2000" dirty="0">
+              <a:solidFill>
+                <a:schemeClr val="tx2">
+                  <a:lumMod val="75000"/>
+                  <a:lumOff val="25000"/>
+                </a:schemeClr>
+              </a:solidFill>
+            </a:endParaRPr>
+          </a:p>
+        </p:txBody>
+      </p:sp>
+      <p:pic>
+        <p:nvPicPr>
+          <p:cNvPr id="4" name="그림 3">
+            <a:extLst>
+              <a:ext uri="{FF2B5EF4-FFF2-40B4-BE49-F238E27FC236}">
+                <a16:creationId xmlns:a16="http://schemas.microsoft.com/office/drawing/2014/main" id="{CD51C181-AD4A-FDE3-31A2-EC113BE625FA}"/>
+              </a:ext>
+            </a:extLst>
+          </p:cNvPr>
+          <p:cNvPicPr>
+            <a:picLocks noChangeAspect="1"/>
+          </p:cNvPicPr>
+          <p:nvPr/>
+        </p:nvPicPr>
+        <p:blipFill>
+          <a:blip r:embed="rId3"/>
+          <a:stretch>
+            <a:fillRect/>
+          </a:stretch>
+        </p:blipFill>
+        <p:spPr>
+          <a:xfrm>
+            <a:off x="5451692" y="1123892"/>
+            <a:ext cx="5982535" cy="5382376"/>
+          </a:xfrm>
+          <a:prstGeom prst="rect">
+            <a:avLst/>
+          </a:prstGeom>
+        </p:spPr>
+      </p:pic>
+      <p:pic>
+        <p:nvPicPr>
+          <p:cNvPr id="9" name="그림 8">
+            <a:extLst>
+              <a:ext uri="{FF2B5EF4-FFF2-40B4-BE49-F238E27FC236}">
+                <a16:creationId xmlns:a16="http://schemas.microsoft.com/office/drawing/2014/main" id="{B76A1209-63B2-3DC3-A0ED-CE15B0492756}"/>
+              </a:ext>
+            </a:extLst>
+          </p:cNvPr>
+          <p:cNvPicPr>
+            <a:picLocks noChangeAspect="1"/>
+          </p:cNvPicPr>
+          <p:nvPr/>
+        </p:nvPicPr>
+        <p:blipFill>
+          <a:blip r:embed="rId4"/>
+          <a:stretch>
+            <a:fillRect/>
+          </a:stretch>
+        </p:blipFill>
+        <p:spPr>
+          <a:xfrm>
+            <a:off x="757773" y="1174515"/>
+            <a:ext cx="3210373" cy="657317"/>
+          </a:xfrm>
+          <a:prstGeom prst="rect">
+            <a:avLst/>
+          </a:prstGeom>
+        </p:spPr>
+      </p:pic>
+      <p:sp>
+        <p:nvSpPr>
+          <p:cNvPr id="10" name="TextBox 9">
+            <a:extLst>
+              <a:ext uri="{FF2B5EF4-FFF2-40B4-BE49-F238E27FC236}">
+                <a16:creationId xmlns:a16="http://schemas.microsoft.com/office/drawing/2014/main" id="{DE890375-311E-E21A-D63E-3058B5FF3B03}"/>
+              </a:ext>
+            </a:extLst>
+          </p:cNvPr>
+          <p:cNvSpPr txBox="1"/>
+          <p:nvPr/>
+        </p:nvSpPr>
+        <p:spPr>
+          <a:xfrm>
+            <a:off x="1320290" y="4068893"/>
+            <a:ext cx="4249881" cy="2308324"/>
+          </a:xfrm>
+          <a:prstGeom prst="rect">
+            <a:avLst/>
+          </a:prstGeom>
+          <a:noFill/>
+        </p:spPr>
+        <p:txBody>
+          <a:bodyPr wrap="none" rtlCol="0">
+            <a:spAutoFit/>
+          </a:bodyPr>
+          <a:lstStyle/>
+          <a:p>
+            <a:r>
+              <a:rPr lang="en-US" altLang="ko-KR" dirty="0" err="1"/>
+              <a:t>shm_open</a:t>
+            </a:r>
+            <a:r>
+              <a:rPr lang="en-US" altLang="ko-KR" dirty="0"/>
+              <a:t> : </a:t>
+            </a:r>
+            <a:r>
+              <a:rPr lang="ko-KR" altLang="en-US" dirty="0"/>
+              <a:t>공유메모리 객체 생성하여</a:t>
+            </a:r>
+            <a:r>
+              <a:rPr lang="en-US" altLang="ko-KR" dirty="0"/>
+              <a:t> </a:t>
+            </a:r>
+          </a:p>
+          <a:p>
+            <a:r>
+              <a:rPr lang="ko-KR" altLang="en-US" dirty="0"/>
+              <a:t>파일기술자를 반환</a:t>
+            </a:r>
+            <a:endParaRPr lang="en-US" altLang="ko-KR" dirty="0"/>
+          </a:p>
+          <a:p>
+            <a:endParaRPr lang="en-US" altLang="ko-KR" dirty="0"/>
+          </a:p>
+          <a:p>
+            <a:endParaRPr lang="en-US" altLang="ko-KR" dirty="0"/>
+          </a:p>
+          <a:p>
+            <a:r>
+              <a:rPr lang="en-US" altLang="ko-KR" dirty="0" err="1"/>
+              <a:t>mmap</a:t>
+            </a:r>
+            <a:r>
+              <a:rPr lang="en-US" altLang="ko-KR" dirty="0"/>
+              <a:t> : </a:t>
+            </a:r>
+            <a:r>
+              <a:rPr lang="ko-KR" altLang="en-US" dirty="0"/>
+              <a:t>공유메모리 객체를 메모리에 </a:t>
+            </a:r>
+            <a:endParaRPr lang="en-US" altLang="ko-KR" dirty="0"/>
+          </a:p>
+          <a:p>
+            <a:r>
+              <a:rPr lang="ko-KR" altLang="en-US" dirty="0"/>
+              <a:t>사상하여 접근할 포인터 반환</a:t>
+            </a:r>
+            <a:endParaRPr lang="en-US" altLang="ko-KR" dirty="0"/>
+          </a:p>
+          <a:p>
+            <a:endParaRPr lang="en-US" altLang="ko-KR" dirty="0"/>
+          </a:p>
+          <a:p>
+            <a:endParaRPr lang="en-US" altLang="ko-KR" dirty="0"/>
+          </a:p>
+        </p:txBody>
+      </p:sp>
+    </p:spTree>
+    <p:extLst>
+      <p:ext uri="{BB962C8B-B14F-4D97-AF65-F5344CB8AC3E}">
+        <p14:creationId xmlns:p14="http://schemas.microsoft.com/office/powerpoint/2010/main" val="843392287"/>
+      </p:ext>
+    </p:extLst>
+  </p:cSld>
+  <p:clrMapOvr>
+    <a:masterClrMapping/>
+  </p:clrMapOvr>
+</p:sld>
+</file>
+
+<file path=ppt/slides/slide9.xml><?xml version="1.0" encoding="utf-8"?>
+<p:sld xmlns:a="http://schemas.openxmlformats.org/drawingml/2006/main" xmlns:r="http://schemas.openxmlformats.org/officeDocument/2006/relationships" xmlns:p="http://schemas.openxmlformats.org/presentationml/2006/main">
+  <p:cSld>
+    <p:spTree>
+      <p:nvGrpSpPr>
+        <p:cNvPr id="1" name=""/>
+        <p:cNvGrpSpPr/>
+        <p:nvPr/>
+      </p:nvGrpSpPr>
+      <p:grpSpPr>
+        <a:xfrm>
+          <a:off x="0" y="0"/>
+          <a:ext cx="0" cy="0"/>
+          <a:chOff x="0" y="0"/>
+          <a:chExt cx="0" cy="0"/>
+        </a:xfrm>
+      </p:grpSpPr>
+      <p:pic>
+        <p:nvPicPr>
+          <p:cNvPr id="1030" name="Picture 6">
+            <a:extLst>
+              <a:ext uri="{FF2B5EF4-FFF2-40B4-BE49-F238E27FC236}">
+                <a16:creationId xmlns:a16="http://schemas.microsoft.com/office/drawing/2014/main" id="{414F068D-B6DC-C482-3E93-242F80B7AF33}"/>
+              </a:ext>
+            </a:extLst>
+          </p:cNvPr>
+          <p:cNvPicPr>
+            <a:picLocks noChangeAspect="1" noChangeArrowheads="1"/>
+          </p:cNvPicPr>
+          <p:nvPr/>
+        </p:nvPicPr>
+        <p:blipFill>
+          <a:blip r:embed="rId2">
+            <a:extLst>
+              <a:ext uri="{28A0092B-C50C-407E-A947-70E740481C1C}">
+                <a14:useLocalDpi xmlns:a14="http://schemas.microsoft.com/office/drawing/2010/main" val="0"/>
+              </a:ext>
+            </a:extLst>
+          </a:blip>
+          <a:srcRect/>
+          <a:stretch>
+            <a:fillRect/>
+          </a:stretch>
+        </p:blipFill>
+        <p:spPr bwMode="auto">
+          <a:xfrm>
+            <a:off x="0" y="0"/>
+            <a:ext cx="2454745" cy="810066"/>
+          </a:xfrm>
+          <a:prstGeom prst="rect">
+            <a:avLst/>
+          </a:prstGeom>
+          <a:noFill/>
+          <a:extLst>
+            <a:ext uri="{909E8E84-426E-40DD-AFC4-6F175D3DCCD1}">
+              <a14:hiddenFill xmlns:a14="http://schemas.microsoft.com/office/drawing/2010/main">
+                <a:solidFill>
+                  <a:srgbClr val="FFFFFF"/>
+                </a:solidFill>
+              </a14:hiddenFill>
+            </a:ext>
+          </a:extLst>
+        </p:spPr>
+      </p:pic>
+      <p:cxnSp>
+        <p:nvCxnSpPr>
+          <p:cNvPr id="5" name="직선 연결선 4">
+            <a:extLst>
+              <a:ext uri="{FF2B5EF4-FFF2-40B4-BE49-F238E27FC236}">
+                <a16:creationId xmlns:a16="http://schemas.microsoft.com/office/drawing/2014/main" id="{3AD05DBD-FED7-649E-C56D-DC29A96957DE}"/>
+              </a:ext>
+            </a:extLst>
+          </p:cNvPr>
+          <p:cNvCxnSpPr>
+            <a:cxnSpLocks/>
+          </p:cNvCxnSpPr>
+          <p:nvPr/>
+        </p:nvCxnSpPr>
+        <p:spPr>
+          <a:xfrm>
+            <a:off x="244549" y="693108"/>
+            <a:ext cx="11695814" cy="0"/>
+          </a:xfrm>
+          <a:prstGeom prst="line">
+            <a:avLst/>
+          </a:prstGeom>
+          <a:ln>
+            <a:solidFill>
+              <a:schemeClr val="tx2">
+                <a:lumMod val="75000"/>
+                <a:lumOff val="25000"/>
+              </a:schemeClr>
+            </a:solidFill>
+          </a:ln>
+        </p:spPr>
+        <p:style>
+          <a:lnRef idx="2">
+            <a:schemeClr val="accent1"/>
+          </a:lnRef>
+          <a:fillRef idx="0">
+            <a:schemeClr val="accent1"/>
+          </a:fillRef>
+          <a:effectRef idx="1">
+            <a:schemeClr val="accent1"/>
+          </a:effectRef>
+          <a:fontRef idx="minor">
+            <a:schemeClr val="tx1"/>
+          </a:fontRef>
+        </p:style>
+      </p:cxnSp>
+      <p:sp>
+        <p:nvSpPr>
+          <p:cNvPr id="2" name="TextBox 1">
+            <a:extLst>
+              <a:ext uri="{FF2B5EF4-FFF2-40B4-BE49-F238E27FC236}">
+                <a16:creationId xmlns:a16="http://schemas.microsoft.com/office/drawing/2014/main" id="{DB5786AE-887E-716B-C574-D341510FB4E8}"/>
+              </a:ext>
+            </a:extLst>
+          </p:cNvPr>
+          <p:cNvSpPr txBox="1"/>
+          <p:nvPr/>
+        </p:nvSpPr>
+        <p:spPr>
+          <a:xfrm>
+            <a:off x="2518537" y="183712"/>
+            <a:ext cx="3944679" cy="400110"/>
+          </a:xfrm>
+          <a:prstGeom prst="rect">
+            <a:avLst/>
+          </a:prstGeom>
+          <a:noFill/>
+        </p:spPr>
+        <p:txBody>
+          <a:bodyPr wrap="square" rtlCol="0">
+            <a:spAutoFit/>
+          </a:bodyPr>
+          <a:lstStyle/>
+          <a:p>
+            <a:r>
+              <a:rPr lang="en-US" altLang="ko-KR" sz="2000" dirty="0">
+                <a:solidFill>
+                  <a:schemeClr val="tx2">
+                    <a:lumMod val="75000"/>
+                    <a:lumOff val="25000"/>
+                  </a:schemeClr>
+                </a:solidFill>
+              </a:rPr>
+              <a:t>3.16 &amp; 3.17 </a:t>
+            </a:r>
+            <a:r>
+              <a:rPr lang="ko-KR" altLang="en-US" sz="2000" dirty="0">
+                <a:solidFill>
+                  <a:schemeClr val="tx2">
+                    <a:lumMod val="75000"/>
+                    <a:lumOff val="25000"/>
+                  </a:schemeClr>
+                </a:solidFill>
+              </a:rPr>
+              <a:t>실행 결과</a:t>
+            </a:r>
+          </a:p>
+        </p:txBody>
+      </p:sp>
+      <p:pic>
+        <p:nvPicPr>
+          <p:cNvPr id="4" name="그림 3">
+            <a:extLst>
+              <a:ext uri="{FF2B5EF4-FFF2-40B4-BE49-F238E27FC236}">
+                <a16:creationId xmlns:a16="http://schemas.microsoft.com/office/drawing/2014/main" id="{0B853110-B4C8-5251-0488-416DD9FB9886}"/>
+              </a:ext>
+            </a:extLst>
+          </p:cNvPr>
+          <p:cNvPicPr>
+            <a:picLocks noChangeAspect="1"/>
+          </p:cNvPicPr>
+          <p:nvPr/>
+        </p:nvPicPr>
+        <p:blipFill>
+          <a:blip r:embed="rId3"/>
+          <a:stretch>
+            <a:fillRect/>
+          </a:stretch>
+        </p:blipFill>
+        <p:spPr>
+          <a:xfrm>
+            <a:off x="756166" y="1116564"/>
+            <a:ext cx="1762371" cy="1190791"/>
+          </a:xfrm>
+          <a:prstGeom prst="rect">
+            <a:avLst/>
+          </a:prstGeom>
+        </p:spPr>
+      </p:pic>
+      <p:sp>
+        <p:nvSpPr>
+          <p:cNvPr id="6" name="TextBox 5">
+            <a:extLst>
+              <a:ext uri="{FF2B5EF4-FFF2-40B4-BE49-F238E27FC236}">
+                <a16:creationId xmlns:a16="http://schemas.microsoft.com/office/drawing/2014/main" id="{9DD1FB49-B526-8156-77FD-C866F5EEF9BB}"/>
+              </a:ext>
+            </a:extLst>
+          </p:cNvPr>
+          <p:cNvSpPr txBox="1"/>
+          <p:nvPr/>
+        </p:nvSpPr>
+        <p:spPr>
+          <a:xfrm>
+            <a:off x="2803904" y="1200601"/>
+            <a:ext cx="5144357" cy="869790"/>
+          </a:xfrm>
+          <a:prstGeom prst="rect">
+            <a:avLst/>
+          </a:prstGeom>
+          <a:noFill/>
+        </p:spPr>
+        <p:txBody>
+          <a:bodyPr wrap="none" rtlCol="0">
+            <a:spAutoFit/>
+          </a:bodyPr>
+          <a:lstStyle/>
+          <a:p>
+            <a:pPr>
               <a:lnSpc>
                 <a:spcPct val="150000"/>
               </a:lnSpc>
             </a:pPr>
             <a:r>
-              <a:rPr lang="ko-KR" altLang="en-US" sz="3200"/>
-              <a:t>감사합니다</a:t>
-            </a:r>
-            <a:endParaRPr lang="en-US" altLang="ko-KR" sz="3200"/>
+              <a:rPr lang="en-US" altLang="ko-KR" dirty="0"/>
+              <a:t>3_16 </a:t>
+            </a:r>
+            <a:r>
+              <a:rPr lang="ko-KR" altLang="en-US" dirty="0"/>
+              <a:t>프로그램이 공유메모리에 작성한 텍스트를</a:t>
+            </a:r>
+            <a:endParaRPr lang="en-US" altLang="ko-KR" dirty="0"/>
+          </a:p>
+          <a:p>
+            <a:pPr>
+              <a:lnSpc>
+                <a:spcPct val="150000"/>
+              </a:lnSpc>
+            </a:pPr>
+            <a:r>
+              <a:rPr lang="en-US" altLang="ko-KR" dirty="0"/>
+              <a:t>3_17</a:t>
+            </a:r>
+            <a:r>
+              <a:rPr lang="ko-KR" altLang="en-US" dirty="0"/>
+              <a:t>에서 읽어서 출력하는 것을 볼 수 있다</a:t>
+            </a:r>
+            <a:endParaRPr lang="en-US" altLang="ko-KR" dirty="0"/>
           </a:p>
         </p:txBody>
       </p:sp>
     </p:spTree>
     <p:extLst>
       <p:ext uri="{BB962C8B-B14F-4D97-AF65-F5344CB8AC3E}">
-        <p14:creationId xmlns:p14="http://schemas.microsoft.com/office/powerpoint/2010/main" val="955499675"/>
+        <p14:creationId xmlns:p14="http://schemas.microsoft.com/office/powerpoint/2010/main" val="3847153325"/>
       </p:ext>
     </p:extLst>
   </p:cSld>
